--- a/Year 1/Deliverables/Block A/Learning Log Y1A ADSAI 2024-2025.pptx
+++ b/Year 1/Deliverables/Block A/Learning Log Y1A ADSAI 2024-2025.pptx
@@ -54,14 +54,14 @@
   <p:notesSz cx="6858000" cy="9144000"/>
   <p:embeddedFontLst>
     <p:embeddedFont>
-      <p:font typeface="Helvetica Neue" panose="020B0604020202020204" charset="0"/>
+      <p:font typeface="Helvetica Neue"/>
       <p:regular r:id="rId47"/>
       <p:bold r:id="rId48"/>
       <p:italic r:id="rId49"/>
       <p:boldItalic r:id="rId50"/>
     </p:embeddedFont>
     <p:embeddedFont>
-      <p:font typeface="Proxima Nova" panose="020B0604020202020204" charset="0"/>
+      <p:font typeface="Proxima Nova"/>
       <p:regular r:id="rId51"/>
       <p:bold r:id="rId52"/>
       <p:italic r:id="rId53"/>
@@ -20510,10 +20510,26 @@
               <a:buChar char="●"/>
             </a:pPr>
             <a:r>
-              <a:rPr lang="en"/>
+              <a:rPr lang="en" dirty="0"/>
               <a:t>How did the week go? </a:t>
             </a:r>
-            <a:endParaRPr/>
+          </a:p>
+          <a:p>
+            <a:pPr marL="27940" lvl="0" indent="0" algn="l" rtl="0">
+              <a:spcBef>
+                <a:spcPts val="0"/>
+              </a:spcBef>
+              <a:spcAft>
+                <a:spcPts val="0"/>
+              </a:spcAft>
+              <a:buSzPts val="1000"/>
+              <a:buNone/>
+            </a:pPr>
+            <a:r>
+              <a:rPr lang="en" dirty="0"/>
+              <a:t>This week went great</a:t>
+            </a:r>
+            <a:endParaRPr dirty="0"/>
           </a:p>
           <a:p>
             <a:pPr marL="182880" lvl="0" indent="-154940" algn="l" rtl="0">
@@ -20527,10 +20543,26 @@
               <a:buChar char="●"/>
             </a:pPr>
             <a:r>
-              <a:rPr lang="en"/>
+              <a:rPr lang="en" dirty="0"/>
               <a:t>What went well? </a:t>
             </a:r>
-            <a:endParaRPr/>
+          </a:p>
+          <a:p>
+            <a:pPr marL="27940" lvl="0" indent="0" algn="l" rtl="0">
+              <a:spcBef>
+                <a:spcPts val="0"/>
+              </a:spcBef>
+              <a:spcAft>
+                <a:spcPts val="0"/>
+              </a:spcAft>
+              <a:buSzPts val="1000"/>
+              <a:buNone/>
+            </a:pPr>
+            <a:r>
+              <a:rPr lang="en" dirty="0"/>
+              <a:t>I was able to finish my Power Bi dashboard which turned out to be really nice, and I have advanced in mathematics</a:t>
+            </a:r>
+            <a:endParaRPr dirty="0"/>
           </a:p>
           <a:p>
             <a:pPr marL="182880" lvl="0" indent="-154940" algn="l" rtl="0">
@@ -20544,10 +20576,34 @@
               <a:buChar char="●"/>
             </a:pPr>
             <a:r>
-              <a:rPr lang="en"/>
+              <a:rPr lang="en" dirty="0"/>
               <a:t>What didn’t go so well? </a:t>
             </a:r>
-            <a:endParaRPr/>
+          </a:p>
+          <a:p>
+            <a:pPr marL="27940" lvl="0" indent="0" algn="l" rtl="0">
+              <a:spcBef>
+                <a:spcPts val="0"/>
+              </a:spcBef>
+              <a:spcAft>
+                <a:spcPts val="0"/>
+              </a:spcAft>
+              <a:buSzPts val="1000"/>
+              <a:buNone/>
+            </a:pPr>
+            <a:r>
+              <a:rPr lang="en" dirty="0"/>
+              <a:t>Nearly nothing didn’t go well, bec</a:t>
+            </a:r>
+            <a:r>
+              <a:rPr lang="nl-NL" dirty="0"/>
+              <a:t>au</a:t>
+            </a:r>
+            <a:r>
+              <a:rPr lang="en" dirty="0"/>
+              <a:t>se I could focus fully on the dashboard with no extra assignments I was able to greatly progress in both the dashboard and mathematics, because I finished most of the dashboard already in the holidays.</a:t>
+            </a:r>
+            <a:endParaRPr dirty="0"/>
           </a:p>
           <a:p>
             <a:pPr marL="182880" lvl="0" indent="-154940" algn="l" rtl="0">
@@ -20561,10 +20617,46 @@
               <a:buChar char="●"/>
             </a:pPr>
             <a:r>
-              <a:rPr lang="en"/>
+              <a:rPr lang="en" dirty="0"/>
               <a:t>What did you learn? </a:t>
             </a:r>
-            <a:endParaRPr/>
+          </a:p>
+          <a:p>
+            <a:pPr marL="27940" lvl="0" indent="0" algn="l" rtl="0">
+              <a:spcBef>
+                <a:spcPts val="0"/>
+              </a:spcBef>
+              <a:spcAft>
+                <a:spcPts val="0"/>
+              </a:spcAft>
+              <a:buSzPts val="1000"/>
+              <a:buNone/>
+            </a:pPr>
+            <a:r>
+              <a:rPr lang="nl-NL" dirty="0"/>
+              <a:t>How </a:t>
+            </a:r>
+            <a:r>
+              <a:rPr lang="nl-NL" dirty="0" err="1"/>
+              <a:t>to</a:t>
+            </a:r>
+            <a:r>
+              <a:rPr lang="nl-NL" dirty="0"/>
+              <a:t> make a cover page in Power Bi, factoring of </a:t>
+            </a:r>
+            <a:r>
+              <a:rPr lang="nl-NL" dirty="0" err="1"/>
+              <a:t>polynomials</a:t>
+            </a:r>
+            <a:r>
+              <a:rPr lang="nl-NL" dirty="0"/>
+              <a:t>, </a:t>
+            </a:r>
+            <a:r>
+              <a:rPr lang="nl-NL" dirty="0" err="1"/>
+              <a:t>limits</a:t>
+            </a:r>
+            <a:endParaRPr dirty="0"/>
           </a:p>
           <a:p>
             <a:pPr marL="182880" lvl="0" indent="-154940" algn="l" rtl="0">
@@ -20578,10 +20670,34 @@
               <a:buChar char="●"/>
             </a:pPr>
             <a:r>
-              <a:rPr lang="en"/>
+              <a:rPr lang="en" dirty="0"/>
               <a:t>What could be added as an Action point looking forward to next week?</a:t>
             </a:r>
-            <a:endParaRPr/>
+          </a:p>
+          <a:p>
+            <a:pPr marL="27940" lvl="0" indent="0" algn="l" rtl="0">
+              <a:spcBef>
+                <a:spcPts val="0"/>
+              </a:spcBef>
+              <a:spcAft>
+                <a:spcPts val="0"/>
+              </a:spcAft>
+              <a:buSzPts val="1000"/>
+              <a:buNone/>
+            </a:pPr>
+            <a:r>
+              <a:rPr lang="en-US" dirty="0"/>
+              <a:t>Next week I will be concentrating on </a:t>
+            </a:r>
+            <a:r>
+              <a:rPr lang="en-US" dirty="0" err="1"/>
+              <a:t>maths</a:t>
+            </a:r>
+            <a:r>
+              <a:rPr lang="en-US" dirty="0"/>
+              <a:t> for two weeks. I think that if I work on the assignments as much as I have in the past, but now all day, I will be able to make a lot of progress.</a:t>
+            </a:r>
+            <a:endParaRPr dirty="0"/>
           </a:p>
         </p:txBody>
       </p:sp>
@@ -20884,7 +21000,7 @@
             </a:pPr>
             <a:r>
               <a:rPr lang="en" dirty="0"/>
-              <a:t>To document my findings very well in my CRISP-DM document.</a:t>
+              <a:t>To document my findings very well and detailed in my CRISP-DM document.</a:t>
             </a:r>
             <a:endParaRPr dirty="0"/>
           </a:p>
@@ -39114,7 +39230,7 @@
             </a:pPr>
             <a:r>
               <a:rPr lang="en" dirty="0"/>
-              <a:t>...</a:t>
+              <a:t>7.6</a:t>
             </a:r>
             <a:endParaRPr dirty="0"/>
           </a:p>

--- a/Year 1/Deliverables/Block A/Learning Log Y1A ADSAI 2024-2025.pptx
+++ b/Year 1/Deliverables/Block A/Learning Log Y1A ADSAI 2024-2025.pptx
@@ -24469,7 +24469,7 @@
           <p:nvPr>
             <p:extLst>
               <p:ext uri="{D42A27DB-BD31-4B8C-83A1-F6EECF244321}">
-                <p14:modId xmlns:p14="http://schemas.microsoft.com/office/powerpoint/2010/main" val="2771884763"/>
+                <p14:modId xmlns:p14="http://schemas.microsoft.com/office/powerpoint/2010/main" val="2461922257"/>
               </p:ext>
             </p:extLst>
           </p:nvPr>
@@ -25597,7 +25597,7 @@
                           <a:ea typeface="Roboto" panose="02000000000000000000" pitchFamily="2" charset="0"/>
                           <a:cs typeface="Roboto" panose="02000000000000000000" pitchFamily="2" charset="0"/>
                         </a:rPr>
-                        <a:t>Provide evidence (links) for each criterion.</a:t>
+                        <a:t>https://github.com/laurensvanbaardewijk243263/laurensvanbaardewijk243263/tree/main/Year%201/Deliverables/Block%20A</a:t>
                       </a:r>
                     </a:p>
                     <a:p>
@@ -27109,7 +27109,7 @@
           <p:nvPr>
             <p:extLst>
               <p:ext uri="{D42A27DB-BD31-4B8C-83A1-F6EECF244321}">
-                <p14:modId xmlns:p14="http://schemas.microsoft.com/office/powerpoint/2010/main" val="3920532268"/>
+                <p14:modId xmlns:p14="http://schemas.microsoft.com/office/powerpoint/2010/main" val="487672772"/>
               </p:ext>
             </p:extLst>
           </p:nvPr>
@@ -28500,27 +28500,17 @@
                     <a:p>
                       <a:pPr algn="l" fontAlgn="ctr"/>
                       <a:r>
-                        <a:rPr lang="en-US" sz="700" dirty="0">
+                        <a:rPr lang="en-US" sz="700" b="0" i="0" u="none" strike="noStrike" dirty="0">
                           <a:solidFill>
-                            <a:schemeClr val="tx2">
-                              <a:lumMod val="10000"/>
-                            </a:schemeClr>
+                            <a:srgbClr val="000000"/>
                           </a:solidFill>
+                          <a:effectLst/>
                           <a:latin typeface="Roboto" panose="02000000000000000000" pitchFamily="2" charset="0"/>
                           <a:ea typeface="Roboto" panose="02000000000000000000" pitchFamily="2" charset="0"/>
                           <a:cs typeface="Roboto" panose="02000000000000000000" pitchFamily="2" charset="0"/>
                         </a:rPr>
-                        <a:t>Provide evidence (links) for each criterion</a:t>
+                        <a:t>https://github.com/laurensvanbaardewijk243263/laurensvanbaardewijk243263/tree/main/Year%201/Deliverables/Block%20A</a:t>
                       </a:r>
-                      <a:endParaRPr lang="en-US" sz="700" b="0" i="0" u="none" strike="noStrike" dirty="0">
-                        <a:solidFill>
-                          <a:srgbClr val="000000"/>
-                        </a:solidFill>
-                        <a:effectLst/>
-                        <a:latin typeface="Roboto" panose="02000000000000000000" pitchFamily="2" charset="0"/>
-                        <a:ea typeface="Roboto" panose="02000000000000000000" pitchFamily="2" charset="0"/>
-                        <a:cs typeface="Roboto" panose="02000000000000000000" pitchFamily="2" charset="0"/>
-                      </a:endParaRPr>
                     </a:p>
                   </a:txBody>
                   <a:tcPr marL="0" marR="0" marT="0" marB="0" anchor="ctr">
@@ -29746,7 +29736,7 @@
           <p:nvPr>
             <p:extLst>
               <p:ext uri="{D42A27DB-BD31-4B8C-83A1-F6EECF244321}">
-                <p14:modId xmlns:p14="http://schemas.microsoft.com/office/powerpoint/2010/main" val="2296043094"/>
+                <p14:modId xmlns:p14="http://schemas.microsoft.com/office/powerpoint/2010/main" val="1980562"/>
               </p:ext>
             </p:extLst>
           </p:nvPr>
@@ -31467,7 +31457,7 @@
                           <a:ea typeface="Roboto" panose="02000000000000000000" pitchFamily="2" charset="0"/>
                           <a:cs typeface="Roboto" panose="02000000000000000000" pitchFamily="2" charset="0"/>
                         </a:rPr>
-                        <a:t>Provide evidence (links) for each criterion</a:t>
+                        <a:t>https://github.com/laurensvanbaardewijk243263/laurensvanbaardewijk243263/tree/main/Year%201/Deliverables/Block%20A</a:t>
                       </a:r>
                       <a:endParaRPr lang="en-US" sz="600" b="0" i="0" u="none" strike="noStrike" dirty="0">
                         <a:solidFill>
@@ -32747,7 +32737,7 @@
           <p:nvPr>
             <p:extLst>
               <p:ext uri="{D42A27DB-BD31-4B8C-83A1-F6EECF244321}">
-                <p14:modId xmlns:p14="http://schemas.microsoft.com/office/powerpoint/2010/main" val="3049857584"/>
+                <p14:modId xmlns:p14="http://schemas.microsoft.com/office/powerpoint/2010/main" val="227231555"/>
               </p:ext>
             </p:extLst>
           </p:nvPr>
@@ -34670,27 +34660,17 @@
                     <a:p>
                       <a:pPr algn="l" fontAlgn="ctr"/>
                       <a:r>
-                        <a:rPr lang="en-US" sz="700" dirty="0">
+                        <a:rPr lang="en-US" sz="700" b="0" i="0" u="none" strike="noStrike" dirty="0">
                           <a:solidFill>
-                            <a:schemeClr val="tx2">
-                              <a:lumMod val="10000"/>
-                            </a:schemeClr>
+                            <a:srgbClr val="000000"/>
                           </a:solidFill>
+                          <a:effectLst/>
                           <a:latin typeface="Roboto" panose="02000000000000000000" pitchFamily="2" charset="0"/>
                           <a:ea typeface="Roboto" panose="02000000000000000000" pitchFamily="2" charset="0"/>
                           <a:cs typeface="Roboto" panose="02000000000000000000" pitchFamily="2" charset="0"/>
                         </a:rPr>
-                        <a:t>Provide evidence (links) for each criterion</a:t>
+                        <a:t>https://github.com/laurensvanbaardewijk243263/laurensvanbaardewijk243263/tree/main/Year%201/Deliverables/Block%20A</a:t>
                       </a:r>
-                      <a:endParaRPr lang="en-US" sz="700" b="0" i="0" u="none" strike="noStrike" dirty="0">
-                        <a:solidFill>
-                          <a:srgbClr val="000000"/>
-                        </a:solidFill>
-                        <a:effectLst/>
-                        <a:latin typeface="Roboto" panose="02000000000000000000" pitchFamily="2" charset="0"/>
-                        <a:ea typeface="Roboto" panose="02000000000000000000" pitchFamily="2" charset="0"/>
-                        <a:cs typeface="Roboto" panose="02000000000000000000" pitchFamily="2" charset="0"/>
-                      </a:endParaRPr>
                     </a:p>
                   </a:txBody>
                   <a:tcPr marL="0" marR="0" marT="0" marB="0" anchor="ctr">
@@ -35948,7 +35928,7 @@
           <p:nvPr>
             <p:extLst>
               <p:ext uri="{D42A27DB-BD31-4B8C-83A1-F6EECF244321}">
-                <p14:modId xmlns:p14="http://schemas.microsoft.com/office/powerpoint/2010/main" val="1728222349"/>
+                <p14:modId xmlns:p14="http://schemas.microsoft.com/office/powerpoint/2010/main" val="1405030152"/>
               </p:ext>
             </p:extLst>
           </p:nvPr>
@@ -37238,27 +37218,17 @@
                     <a:p>
                       <a:pPr algn="l" fontAlgn="ctr"/>
                       <a:r>
-                        <a:rPr lang="en-US" sz="700" dirty="0">
+                        <a:rPr lang="en-US" sz="700" b="0" i="0" u="none" strike="noStrike" dirty="0">
                           <a:solidFill>
-                            <a:schemeClr val="tx2">
-                              <a:lumMod val="10000"/>
-                            </a:schemeClr>
+                            <a:srgbClr val="000000"/>
                           </a:solidFill>
+                          <a:effectLst/>
                           <a:latin typeface="Roboto" panose="02000000000000000000" pitchFamily="2" charset="0"/>
                           <a:ea typeface="Roboto" panose="02000000000000000000" pitchFamily="2" charset="0"/>
                           <a:cs typeface="Roboto" panose="02000000000000000000" pitchFamily="2" charset="0"/>
                         </a:rPr>
-                        <a:t>Provide evidence (links) for each criterion</a:t>
+                        <a:t>https://github.com/laurensvanbaardewijk243263/laurensvanbaardewijk243263/tree/main/Year%201/Deliverables/Block%20A</a:t>
                       </a:r>
-                      <a:endParaRPr lang="en-US" sz="700" b="0" i="0" u="none" strike="noStrike" dirty="0">
-                        <a:solidFill>
-                          <a:srgbClr val="000000"/>
-                        </a:solidFill>
-                        <a:effectLst/>
-                        <a:latin typeface="Roboto" panose="02000000000000000000" pitchFamily="2" charset="0"/>
-                        <a:ea typeface="Roboto" panose="02000000000000000000" pitchFamily="2" charset="0"/>
-                        <a:cs typeface="Roboto" panose="02000000000000000000" pitchFamily="2" charset="0"/>
-                      </a:endParaRPr>
                     </a:p>
                   </a:txBody>
                   <a:tcPr marL="0" marR="0" marT="0" marB="0" anchor="ctr">
@@ -42306,6 +42276,26 @@
 </file>
 
 <file path=customXml/item1.xml><?xml version="1.0" encoding="utf-8"?>
+<p:properties xmlns:p="http://schemas.microsoft.com/office/2006/metadata/properties" xmlns:xsi="http://www.w3.org/2001/XMLSchema-instance" xmlns:pc="http://schemas.microsoft.com/office/infopath/2007/PartnerControls">
+  <documentManagement>
+    <lcf76f155ced4ddcb4097134ff3c332f xmlns="5ff92c65-ed86-4457-baee-ccd535c9ea21">
+      <Terms xmlns="http://schemas.microsoft.com/office/infopath/2007/PartnerControls"/>
+    </lcf76f155ced4ddcb4097134ff3c332f>
+    <TaxCatchAll xmlns="6c8d291c-a5bf-4049-930d-38db8e991d8e" xsi:nil="true"/>
+  </documentManagement>
+</p:properties>
+</file>
+
+<file path=customXml/item2.xml><?xml version="1.0" encoding="utf-8"?>
+<?mso-contentType ?>
+<FormTemplates xmlns="http://schemas.microsoft.com/sharepoint/v3/contenttype/forms">
+  <Display>DocumentLibraryForm</Display>
+  <Edit>DocumentLibraryForm</Edit>
+  <New>DocumentLibraryForm</New>
+</FormTemplates>
+</file>
+
+<file path=customXml/item3.xml><?xml version="1.0" encoding="utf-8"?>
 <ct:contentTypeSchema xmlns:ct="http://schemas.microsoft.com/office/2006/metadata/contentType" xmlns:ma="http://schemas.microsoft.com/office/2006/metadata/properties/metaAttributes" ct:_="" ma:_="" ma:contentTypeName="Document" ma:contentTypeID="0x0101000BADAD4AA324BF48804EF76FD903323C" ma:contentTypeVersion="15" ma:contentTypeDescription="Create a new document." ma:contentTypeScope="" ma:versionID="4ea0feda506421460444ca95554a0aab">
   <xsd:schema xmlns:xsd="http://www.w3.org/2001/XMLSchema" xmlns:xs="http://www.w3.org/2001/XMLSchema" xmlns:p="http://schemas.microsoft.com/office/2006/metadata/properties" xmlns:ns2="5ff92c65-ed86-4457-baee-ccd535c9ea21" xmlns:ns3="6c8d291c-a5bf-4049-930d-38db8e991d8e" targetNamespace="http://schemas.microsoft.com/office/2006/metadata/properties" ma:root="true" ma:fieldsID="0fc8cf7d0f5ee312899395875a30595e" ns2:_="" ns3:_="">
     <xsd:import namespace="5ff92c65-ed86-4457-baee-ccd535c9ea21"/>
@@ -42540,27 +42530,32 @@
 </ct:contentTypeSchema>
 </file>
 
-<file path=customXml/item2.xml><?xml version="1.0" encoding="utf-8"?>
-<p:properties xmlns:p="http://schemas.microsoft.com/office/2006/metadata/properties" xmlns:xsi="http://www.w3.org/2001/XMLSchema-instance" xmlns:pc="http://schemas.microsoft.com/office/infopath/2007/PartnerControls">
-  <documentManagement>
-    <lcf76f155ced4ddcb4097134ff3c332f xmlns="5ff92c65-ed86-4457-baee-ccd535c9ea21">
-      <Terms xmlns="http://schemas.microsoft.com/office/infopath/2007/PartnerControls"/>
-    </lcf76f155ced4ddcb4097134ff3c332f>
-    <TaxCatchAll xmlns="6c8d291c-a5bf-4049-930d-38db8e991d8e" xsi:nil="true"/>
-  </documentManagement>
-</p:properties>
+<file path=customXml/itemProps1.xml><?xml version="1.0" encoding="utf-8"?>
+<ds:datastoreItem xmlns:ds="http://schemas.openxmlformats.org/officeDocument/2006/customXml" ds:itemID="{3067B86F-F5BB-4BE6-9A37-0E19E53CB68B}">
+  <ds:schemaRefs>
+    <ds:schemaRef ds:uri="http://schemas.microsoft.com/office/infopath/2007/PartnerControls"/>
+    <ds:schemaRef ds:uri="5ff92c65-ed86-4457-baee-ccd535c9ea21"/>
+    <ds:schemaRef ds:uri="http://schemas.openxmlformats.org/package/2006/metadata/core-properties"/>
+    <ds:schemaRef ds:uri="http://schemas.microsoft.com/office/2006/metadata/properties"/>
+    <ds:schemaRef ds:uri="http://purl.org/dc/terms/"/>
+    <ds:schemaRef ds:uri="http://purl.org/dc/elements/1.1/"/>
+    <ds:schemaRef ds:uri="6c8d291c-a5bf-4049-930d-38db8e991d8e"/>
+    <ds:schemaRef ds:uri="http://schemas.microsoft.com/office/2006/documentManagement/types"/>
+    <ds:schemaRef ds:uri="http://www.w3.org/XML/1998/namespace"/>
+    <ds:schemaRef ds:uri="http://purl.org/dc/dcmitype/"/>
+  </ds:schemaRefs>
+</ds:datastoreItem>
 </file>
 
-<file path=customXml/item3.xml><?xml version="1.0" encoding="utf-8"?>
-<?mso-contentType ?>
-<FormTemplates xmlns="http://schemas.microsoft.com/sharepoint/v3/contenttype/forms">
-  <Display>DocumentLibraryForm</Display>
-  <Edit>DocumentLibraryForm</Edit>
-  <New>DocumentLibraryForm</New>
-</FormTemplates>
+<file path=customXml/itemProps2.xml><?xml version="1.0" encoding="utf-8"?>
+<ds:datastoreItem xmlns:ds="http://schemas.openxmlformats.org/officeDocument/2006/customXml" ds:itemID="{98D9791E-52D0-4ABB-925A-4EAECF798D9B}">
+  <ds:schemaRefs>
+    <ds:schemaRef ds:uri="http://schemas.microsoft.com/sharepoint/v3/contenttype/forms"/>
+  </ds:schemaRefs>
+</ds:datastoreItem>
 </file>
 
-<file path=customXml/itemProps1.xml><?xml version="1.0" encoding="utf-8"?>
+<file path=customXml/itemProps3.xml><?xml version="1.0" encoding="utf-8"?>
 <ds:datastoreItem xmlns:ds="http://schemas.openxmlformats.org/officeDocument/2006/customXml" ds:itemID="{AEEE2CFC-DBC5-4A82-9F95-F9B80A5EF537}">
   <ds:schemaRefs>
     <ds:schemaRef ds:uri="http://schemas.microsoft.com/office/2006/metadata/contentType"/>
@@ -42577,29 +42572,4 @@
     <ds:schemaRef ds:uri="http://schemas.microsoft.com/internal/obd"/>
   </ds:schemaRefs>
 </ds:datastoreItem>
-</file>
-
-<file path=customXml/itemProps2.xml><?xml version="1.0" encoding="utf-8"?>
-<ds:datastoreItem xmlns:ds="http://schemas.openxmlformats.org/officeDocument/2006/customXml" ds:itemID="{3067B86F-F5BB-4BE6-9A37-0E19E53CB68B}">
-  <ds:schemaRefs>
-    <ds:schemaRef ds:uri="http://schemas.microsoft.com/office/infopath/2007/PartnerControls"/>
-    <ds:schemaRef ds:uri="5ff92c65-ed86-4457-baee-ccd535c9ea21"/>
-    <ds:schemaRef ds:uri="http://schemas.openxmlformats.org/package/2006/metadata/core-properties"/>
-    <ds:schemaRef ds:uri="http://schemas.microsoft.com/office/2006/metadata/properties"/>
-    <ds:schemaRef ds:uri="http://purl.org/dc/terms/"/>
-    <ds:schemaRef ds:uri="http://purl.org/dc/elements/1.1/"/>
-    <ds:schemaRef ds:uri="6c8d291c-a5bf-4049-930d-38db8e991d8e"/>
-    <ds:schemaRef ds:uri="http://schemas.microsoft.com/office/2006/documentManagement/types"/>
-    <ds:schemaRef ds:uri="http://www.w3.org/XML/1998/namespace"/>
-    <ds:schemaRef ds:uri="http://purl.org/dc/dcmitype/"/>
-  </ds:schemaRefs>
-</ds:datastoreItem>
-</file>
-
-<file path=customXml/itemProps3.xml><?xml version="1.0" encoding="utf-8"?>
-<ds:datastoreItem xmlns:ds="http://schemas.openxmlformats.org/officeDocument/2006/customXml" ds:itemID="{98D9791E-52D0-4ABB-925A-4EAECF798D9B}">
-  <ds:schemaRefs>
-    <ds:schemaRef ds:uri="http://schemas.microsoft.com/sharepoint/v3/contenttype/forms"/>
-  </ds:schemaRefs>
-</ds:datastoreItem>
 </file>